--- a/doc/0131.pptx
+++ b/doc/0131.pptx
@@ -272,7 +272,7 @@
           <a:p>
             <a:fld id="{0F879A66-C839-4EE3-81E6-93E5706FBC81}" type="datetimeFigureOut">
               <a:rPr lang="zh-CN" altLang="en-US" smtClean="0"/>
-              <a:t>2023/1/30</a:t>
+              <a:t>2023/1/31</a:t>
             </a:fld>
             <a:endParaRPr lang="zh-CN" altLang="en-US"/>
           </a:p>
@@ -470,7 +470,7 @@
           <a:p>
             <a:fld id="{0F879A66-C839-4EE3-81E6-93E5706FBC81}" type="datetimeFigureOut">
               <a:rPr lang="zh-CN" altLang="en-US" smtClean="0"/>
-              <a:t>2023/1/30</a:t>
+              <a:t>2023/1/31</a:t>
             </a:fld>
             <a:endParaRPr lang="zh-CN" altLang="en-US"/>
           </a:p>
@@ -678,7 +678,7 @@
           <a:p>
             <a:fld id="{0F879A66-C839-4EE3-81E6-93E5706FBC81}" type="datetimeFigureOut">
               <a:rPr lang="zh-CN" altLang="en-US" smtClean="0"/>
-              <a:t>2023/1/30</a:t>
+              <a:t>2023/1/31</a:t>
             </a:fld>
             <a:endParaRPr lang="zh-CN" altLang="en-US"/>
           </a:p>
@@ -898,7 +898,7 @@
           <a:p>
             <a:fld id="{C185F7AD-3BBD-4816-8EB2-2B0685FB5B91}" type="datetimeFigureOut">
               <a:rPr lang="en-US" smtClean="0"/>
-              <a:t>1/30/2023</a:t>
+              <a:t>1/31/2023</a:t>
             </a:fld>
             <a:endParaRPr lang="en-US"/>
           </a:p>
@@ -1096,7 +1096,7 @@
           <a:p>
             <a:fld id="{C185F7AD-3BBD-4816-8EB2-2B0685FB5B91}" type="datetimeFigureOut">
               <a:rPr lang="en-US" smtClean="0"/>
-              <a:t>1/30/2023</a:t>
+              <a:t>1/31/2023</a:t>
             </a:fld>
             <a:endParaRPr lang="en-US"/>
           </a:p>
@@ -1371,7 +1371,7 @@
           <a:p>
             <a:fld id="{C185F7AD-3BBD-4816-8EB2-2B0685FB5B91}" type="datetimeFigureOut">
               <a:rPr lang="en-US" smtClean="0"/>
-              <a:t>1/30/2023</a:t>
+              <a:t>1/31/2023</a:t>
             </a:fld>
             <a:endParaRPr lang="en-US"/>
           </a:p>
@@ -1636,7 +1636,7 @@
           <a:p>
             <a:fld id="{C185F7AD-3BBD-4816-8EB2-2B0685FB5B91}" type="datetimeFigureOut">
               <a:rPr lang="en-US" smtClean="0"/>
-              <a:t>1/30/2023</a:t>
+              <a:t>1/31/2023</a:t>
             </a:fld>
             <a:endParaRPr lang="en-US"/>
           </a:p>
@@ -2048,7 +2048,7 @@
           <a:p>
             <a:fld id="{C185F7AD-3BBD-4816-8EB2-2B0685FB5B91}" type="datetimeFigureOut">
               <a:rPr lang="en-US" smtClean="0"/>
-              <a:t>1/30/2023</a:t>
+              <a:t>1/31/2023</a:t>
             </a:fld>
             <a:endParaRPr lang="en-US"/>
           </a:p>
@@ -2189,7 +2189,7 @@
           <a:p>
             <a:fld id="{C185F7AD-3BBD-4816-8EB2-2B0685FB5B91}" type="datetimeFigureOut">
               <a:rPr lang="en-US" smtClean="0"/>
-              <a:t>1/30/2023</a:t>
+              <a:t>1/31/2023</a:t>
             </a:fld>
             <a:endParaRPr lang="en-US"/>
           </a:p>
@@ -2302,7 +2302,7 @@
           <a:p>
             <a:fld id="{C185F7AD-3BBD-4816-8EB2-2B0685FB5B91}" type="datetimeFigureOut">
               <a:rPr lang="en-US" smtClean="0"/>
-              <a:t>1/30/2023</a:t>
+              <a:t>1/31/2023</a:t>
             </a:fld>
             <a:endParaRPr lang="en-US"/>
           </a:p>
@@ -2613,7 +2613,7 @@
           <a:p>
             <a:fld id="{C185F7AD-3BBD-4816-8EB2-2B0685FB5B91}" type="datetimeFigureOut">
               <a:rPr lang="en-US" smtClean="0"/>
-              <a:t>1/30/2023</a:t>
+              <a:t>1/31/2023</a:t>
             </a:fld>
             <a:endParaRPr lang="en-US"/>
           </a:p>
@@ -2811,7 +2811,7 @@
           <a:p>
             <a:fld id="{0F879A66-C839-4EE3-81E6-93E5706FBC81}" type="datetimeFigureOut">
               <a:rPr lang="zh-CN" altLang="en-US" smtClean="0"/>
-              <a:t>2023/1/30</a:t>
+              <a:t>2023/1/31</a:t>
             </a:fld>
             <a:endParaRPr lang="zh-CN" altLang="en-US"/>
           </a:p>
@@ -3099,7 +3099,7 @@
           <a:p>
             <a:fld id="{C185F7AD-3BBD-4816-8EB2-2B0685FB5B91}" type="datetimeFigureOut">
               <a:rPr lang="en-US" smtClean="0"/>
-              <a:t>1/30/2023</a:t>
+              <a:t>1/31/2023</a:t>
             </a:fld>
             <a:endParaRPr lang="en-US"/>
           </a:p>
@@ -3297,7 +3297,7 @@
           <a:p>
             <a:fld id="{C185F7AD-3BBD-4816-8EB2-2B0685FB5B91}" type="datetimeFigureOut">
               <a:rPr lang="en-US" smtClean="0"/>
-              <a:t>1/30/2023</a:t>
+              <a:t>1/31/2023</a:t>
             </a:fld>
             <a:endParaRPr lang="en-US"/>
           </a:p>
@@ -3505,7 +3505,7 @@
           <a:p>
             <a:fld id="{C185F7AD-3BBD-4816-8EB2-2B0685FB5B91}" type="datetimeFigureOut">
               <a:rPr lang="en-US" smtClean="0"/>
-              <a:t>1/30/2023</a:t>
+              <a:t>1/31/2023</a:t>
             </a:fld>
             <a:endParaRPr lang="en-US"/>
           </a:p>
@@ -3780,7 +3780,7 @@
           <a:p>
             <a:fld id="{0F879A66-C839-4EE3-81E6-93E5706FBC81}" type="datetimeFigureOut">
               <a:rPr lang="zh-CN" altLang="en-US" smtClean="0"/>
-              <a:t>2023/1/30</a:t>
+              <a:t>2023/1/31</a:t>
             </a:fld>
             <a:endParaRPr lang="zh-CN" altLang="en-US"/>
           </a:p>
@@ -4045,7 +4045,7 @@
           <a:p>
             <a:fld id="{0F879A66-C839-4EE3-81E6-93E5706FBC81}" type="datetimeFigureOut">
               <a:rPr lang="zh-CN" altLang="en-US" smtClean="0"/>
-              <a:t>2023/1/30</a:t>
+              <a:t>2023/1/31</a:t>
             </a:fld>
             <a:endParaRPr lang="zh-CN" altLang="en-US"/>
           </a:p>
@@ -4457,7 +4457,7 @@
           <a:p>
             <a:fld id="{0F879A66-C839-4EE3-81E6-93E5706FBC81}" type="datetimeFigureOut">
               <a:rPr lang="zh-CN" altLang="en-US" smtClean="0"/>
-              <a:t>2023/1/30</a:t>
+              <a:t>2023/1/31</a:t>
             </a:fld>
             <a:endParaRPr lang="zh-CN" altLang="en-US"/>
           </a:p>
@@ -4598,7 +4598,7 @@
           <a:p>
             <a:fld id="{0F879A66-C839-4EE3-81E6-93E5706FBC81}" type="datetimeFigureOut">
               <a:rPr lang="zh-CN" altLang="en-US" smtClean="0"/>
-              <a:t>2023/1/30</a:t>
+              <a:t>2023/1/31</a:t>
             </a:fld>
             <a:endParaRPr lang="zh-CN" altLang="en-US"/>
           </a:p>
@@ -4711,7 +4711,7 @@
           <a:p>
             <a:fld id="{0F879A66-C839-4EE3-81E6-93E5706FBC81}" type="datetimeFigureOut">
               <a:rPr lang="zh-CN" altLang="en-US" smtClean="0"/>
-              <a:t>2023/1/30</a:t>
+              <a:t>2023/1/31</a:t>
             </a:fld>
             <a:endParaRPr lang="zh-CN" altLang="en-US"/>
           </a:p>
@@ -5022,7 +5022,7 @@
           <a:p>
             <a:fld id="{0F879A66-C839-4EE3-81E6-93E5706FBC81}" type="datetimeFigureOut">
               <a:rPr lang="zh-CN" altLang="en-US" smtClean="0"/>
-              <a:t>2023/1/30</a:t>
+              <a:t>2023/1/31</a:t>
             </a:fld>
             <a:endParaRPr lang="zh-CN" altLang="en-US"/>
           </a:p>
@@ -5310,7 +5310,7 @@
           <a:p>
             <a:fld id="{0F879A66-C839-4EE3-81E6-93E5706FBC81}" type="datetimeFigureOut">
               <a:rPr lang="zh-CN" altLang="en-US" smtClean="0"/>
-              <a:t>2023/1/30</a:t>
+              <a:t>2023/1/31</a:t>
             </a:fld>
             <a:endParaRPr lang="zh-CN" altLang="en-US"/>
           </a:p>
@@ -5551,7 +5551,7 @@
           <a:p>
             <a:fld id="{0F879A66-C839-4EE3-81E6-93E5706FBC81}" type="datetimeFigureOut">
               <a:rPr lang="zh-CN" altLang="en-US" smtClean="0"/>
-              <a:t>2023/1/30</a:t>
+              <a:t>2023/1/31</a:t>
             </a:fld>
             <a:endParaRPr lang="zh-CN" altLang="en-US"/>
           </a:p>
@@ -6119,7 +6119,7 @@
           <a:p>
             <a:fld id="{C185F7AD-3BBD-4816-8EB2-2B0685FB5B91}" type="datetimeFigureOut">
               <a:rPr lang="en-US" smtClean="0"/>
-              <a:t>1/30/2023</a:t>
+              <a:t>1/31/2023</a:t>
             </a:fld>
             <a:endParaRPr lang="en-US"/>
           </a:p>
@@ -6995,7 +6995,7 @@
                   <a:noFill/>
                 </a:ln>
                 <a:solidFill>
-                  <a:prstClr val="black"/>
+                  <a:srgbClr val="FF0000"/>
                 </a:solidFill>
                 <a:effectLst/>
                 <a:uLnTx/>
@@ -8472,7 +8472,7 @@
         <p:spPr>
           <a:xfrm>
             <a:off x="959468" y="4464922"/>
-            <a:ext cx="9884541" cy="1384995"/>
+            <a:ext cx="9884541" cy="2246769"/>
           </a:xfrm>
           <a:prstGeom prst="rect">
             <a:avLst/>
@@ -8578,6 +8578,78 @@
               </a:rPr>
               <a:t>P: 149</a:t>
             </a:r>
+          </a:p>
+          <a:p>
+            <a:pPr marR="0" lvl="0" algn="l" defTabSz="914400" rtl="0" eaLnBrk="1" fontAlgn="auto" latinLnBrk="0" hangingPunct="1">
+              <a:lnSpc>
+                <a:spcPct val="100000"/>
+              </a:lnSpc>
+              <a:spcBef>
+                <a:spcPts val="0"/>
+              </a:spcBef>
+              <a:spcAft>
+                <a:spcPts val="0"/>
+              </a:spcAft>
+              <a:buClrTx/>
+              <a:buSzTx/>
+              <a:tabLst/>
+              <a:defRPr/>
+            </a:pPr>
+            <a:endParaRPr lang="en-US" altLang="zh-CN" sz="2800" dirty="0">
+              <a:solidFill>
+                <a:prstClr val="black"/>
+              </a:solidFill>
+              <a:latin typeface="等线" panose="020F0502020204030204"/>
+              <a:ea typeface="等线" panose="02010600030101010101" pitchFamily="2" charset="-122"/>
+            </a:endParaRPr>
+          </a:p>
+          <a:p>
+            <a:pPr marR="0" lvl="0" algn="l" defTabSz="914400" rtl="0" eaLnBrk="1" fontAlgn="auto" latinLnBrk="0" hangingPunct="1">
+              <a:lnSpc>
+                <a:spcPct val="100000"/>
+              </a:lnSpc>
+              <a:spcBef>
+                <a:spcPts val="0"/>
+              </a:spcBef>
+              <a:spcAft>
+                <a:spcPts val="0"/>
+              </a:spcAft>
+              <a:buClrTx/>
+              <a:buSzTx/>
+              <a:tabLst/>
+              <a:defRPr/>
+            </a:pPr>
+            <a:r>
+              <a:rPr kumimoji="0" lang="zh-CN" altLang="en-US" sz="2800" b="0" i="0" u="none" strike="noStrike" kern="1200" cap="none" spc="0" normalizeH="0" baseline="0" noProof="0" dirty="0">
+                <a:ln>
+                  <a:noFill/>
+                </a:ln>
+                <a:solidFill>
+                  <a:prstClr val="black"/>
+                </a:solidFill>
+                <a:effectLst/>
+                <a:uLnTx/>
+                <a:uFillTx/>
+                <a:latin typeface="等线" panose="020F0502020204030204"/>
+                <a:ea typeface="等线" panose="02010600030101010101" pitchFamily="2" charset="-122"/>
+                <a:cs typeface="+mn-cs"/>
+              </a:rPr>
+              <a:t>是否需要排除右侧异常值？</a:t>
+            </a:r>
+            <a:endParaRPr kumimoji="0" lang="en-US" altLang="zh-CN" sz="2800" b="0" i="0" u="none" strike="noStrike" kern="1200" cap="none" spc="0" normalizeH="0" baseline="0" noProof="0" dirty="0">
+              <a:ln>
+                <a:noFill/>
+              </a:ln>
+              <a:solidFill>
+                <a:prstClr val="black"/>
+              </a:solidFill>
+              <a:effectLst/>
+              <a:uLnTx/>
+              <a:uFillTx/>
+              <a:latin typeface="等线" panose="020F0502020204030204"/>
+              <a:ea typeface="等线" panose="02010600030101010101" pitchFamily="2" charset="-122"/>
+              <a:cs typeface="+mn-cs"/>
+            </a:endParaRPr>
           </a:p>
         </p:txBody>
       </p:sp>
@@ -8626,7 +8698,7 @@
         <p:spPr>
           <a:xfrm>
             <a:off x="972437" y="1402910"/>
-            <a:ext cx="9884541" cy="3277116"/>
+            <a:ext cx="9884541" cy="4200445"/>
           </a:xfrm>
           <a:prstGeom prst="rect">
             <a:avLst/>
@@ -8676,7 +8748,15 @@
             </a:r>
             <a:r>
               <a:rPr lang="zh-CN" altLang="en-US" sz="2000" dirty="0"/>
-              <a:t>库</a:t>
+              <a:t>库（</a:t>
+            </a:r>
+            <a:r>
+              <a:rPr lang="en-US" altLang="zh-CN" sz="2000" dirty="0"/>
+              <a:t>IO+</a:t>
+            </a:r>
+            <a:r>
+              <a:rPr lang="zh-CN" altLang="en-US" sz="2000" dirty="0"/>
+              <a:t>批量处理）</a:t>
             </a:r>
             <a:endParaRPr lang="en-US" altLang="zh-CN" sz="2000" dirty="0"/>
           </a:p>
@@ -8716,6 +8796,18 @@
               <a:rPr lang="zh-CN" altLang="en-US" sz="2000" dirty="0"/>
               <a:t>具体模型？</a:t>
             </a:r>
+            <a:r>
+              <a:rPr lang="en-US" altLang="zh-CN" sz="2000" dirty="0"/>
+              <a:t>SVM</a:t>
+            </a:r>
+            <a:r>
+              <a:rPr lang="zh-CN" altLang="en-US" sz="2000" dirty="0"/>
+              <a:t>，</a:t>
+            </a:r>
+            <a:r>
+              <a:rPr lang="en-US" altLang="zh-CN" sz="2000" dirty="0" err="1"/>
+              <a:t>xgboost</a:t>
+            </a:r>
             <a:endParaRPr lang="en-US" altLang="zh-CN" sz="2000" dirty="0"/>
           </a:p>
           <a:p>
@@ -8727,7 +8819,7 @@
             </a:pPr>
             <a:r>
               <a:rPr lang="zh-CN" altLang="en-US" sz="2000" dirty="0"/>
-              <a:t>性能评估指标？</a:t>
+              <a:t>性能评估指标？二分类，十分类</a:t>
             </a:r>
             <a:endParaRPr lang="en-US" altLang="zh-CN" sz="2000" dirty="0"/>
           </a:p>
@@ -8739,8 +8831,12 @@
               <a:buAutoNum type="arabicPeriod"/>
             </a:pPr>
             <a:r>
+              <a:rPr lang="zh-CN" altLang="en-US" sz="2000" dirty="0"/>
+              <a:t>不同模型比较</a:t>
+            </a:r>
+            <a:r>
               <a:rPr lang="zh-CN" altLang="en-US" sz="2000"/>
-              <a:t>不同模型比较方法？</a:t>
+              <a:t>方法？分类指标</a:t>
             </a:r>
             <a:endParaRPr lang="en-US" altLang="zh-CN" sz="2000" dirty="0"/>
           </a:p>
@@ -8753,7 +8849,49 @@
             </a:pPr>
             <a:r>
               <a:rPr lang="zh-CN" altLang="en-US" sz="2000" dirty="0"/>
-              <a:t>影像特征提取方法：</a:t>
+              <a:t>影像特征提取方法：查找</a:t>
+            </a:r>
+            <a:r>
+              <a:rPr lang="en-US" altLang="zh-CN" sz="2000" dirty="0"/>
+              <a:t>PD</a:t>
+            </a:r>
+            <a:r>
+              <a:rPr lang="zh-CN" altLang="en-US" sz="2000" dirty="0"/>
+              <a:t>相关文献，总结已有文献</a:t>
+            </a:r>
+            <a:endParaRPr lang="en-US" altLang="zh-CN" sz="2000" dirty="0"/>
+          </a:p>
+          <a:p>
+            <a:pPr marL="457200" indent="-457200">
+              <a:lnSpc>
+                <a:spcPct val="150000"/>
+              </a:lnSpc>
+              <a:buAutoNum type="arabicPeriod"/>
+            </a:pPr>
+            <a:r>
+              <a:rPr lang="zh-CN" altLang="en-US" sz="2000" dirty="0"/>
+              <a:t>了解</a:t>
+            </a:r>
+            <a:r>
+              <a:rPr lang="en-US" altLang="zh-CN" sz="2000" dirty="0"/>
+              <a:t>PD</a:t>
+            </a:r>
+            <a:r>
+              <a:rPr lang="zh-CN" altLang="en-US" sz="2000" dirty="0"/>
+              <a:t>亚型评估方法等信息</a:t>
+            </a:r>
+            <a:endParaRPr lang="en-US" altLang="zh-CN" sz="2000" dirty="0"/>
+          </a:p>
+          <a:p>
+            <a:pPr marL="457200" indent="-457200">
+              <a:lnSpc>
+                <a:spcPct val="150000"/>
+              </a:lnSpc>
+              <a:buAutoNum type="arabicPeriod"/>
+            </a:pPr>
+            <a:r>
+              <a:rPr lang="zh-CN" altLang="en-US" sz="2000" dirty="0"/>
+              <a:t>研究意义</a:t>
             </a:r>
             <a:endParaRPr lang="en-US" altLang="zh-CN" sz="2000" dirty="0"/>
           </a:p>
@@ -8875,7 +9013,9 @@
                   <a:noFill/>
                 </a:ln>
                 <a:solidFill>
-                  <a:prstClr val="black"/>
+                  <a:schemeClr val="bg1">
+                    <a:lumMod val="75000"/>
+                  </a:schemeClr>
                 </a:solidFill>
                 <a:effectLst/>
                 <a:uLnTx/>
@@ -8940,7 +9080,9 @@
                   <a:noFill/>
                 </a:ln>
                 <a:solidFill>
-                  <a:prstClr val="black"/>
+                  <a:schemeClr val="bg1">
+                    <a:lumMod val="75000"/>
+                  </a:schemeClr>
                 </a:solidFill>
                 <a:effectLst/>
                 <a:uLnTx/>
@@ -8957,7 +9099,9 @@
                   <a:noFill/>
                 </a:ln>
                 <a:solidFill>
-                  <a:prstClr val="black"/>
+                  <a:schemeClr val="bg1">
+                    <a:lumMod val="75000"/>
+                  </a:schemeClr>
                 </a:solidFill>
                 <a:effectLst/>
                 <a:uLnTx/>
@@ -8974,7 +9118,9 @@
                   <a:noFill/>
                 </a:ln>
                 <a:solidFill>
-                  <a:prstClr val="black"/>
+                  <a:schemeClr val="bg1">
+                    <a:lumMod val="75000"/>
+                  </a:schemeClr>
                 </a:solidFill>
                 <a:effectLst/>
                 <a:uLnTx/>
@@ -8991,7 +9137,9 @@
                   <a:noFill/>
                 </a:ln>
                 <a:solidFill>
-                  <a:prstClr val="black"/>
+                  <a:schemeClr val="bg1">
+                    <a:lumMod val="75000"/>
+                  </a:schemeClr>
                 </a:solidFill>
                 <a:effectLst/>
                 <a:uLnTx/>
@@ -9000,17 +9148,17 @@
                 <a:ea typeface="等线" panose="02010600030101010101" pitchFamily="2" charset="-122"/>
                 <a:cs typeface="+mn-cs"/>
               </a:rPr>
-              <a:t>(T1</a:t>
-            </a:r>
-            <a:r>
-              <a:rPr kumimoji="0" lang="en-US" altLang="zh-CN" sz="2800" b="0" i="0" u="none" strike="noStrike" kern="1200" cap="none" spc="0" normalizeH="0" baseline="0" noProof="0" dirty="0">
+              <a:t>(T1/T2)</a:t>
+            </a:r>
+            <a:r>
+              <a:rPr kumimoji="0" lang="zh-CN" altLang="en-US" sz="2800" b="0" i="0" u="none" strike="noStrike" kern="1200" cap="none" spc="0" normalizeH="0" baseline="0" noProof="0" dirty="0">
                 <a:ln>
                   <a:noFill/>
                 </a:ln>
                 <a:solidFill>
-                  <a:prstClr val="white">
+                  <a:schemeClr val="bg1">
                     <a:lumMod val="75000"/>
-                  </a:prstClr>
+                  </a:schemeClr>
                 </a:solidFill>
                 <a:effectLst/>
                 <a:uLnTx/>
@@ -9019,7 +9167,7 @@
                 <a:ea typeface="等线" panose="02010600030101010101" pitchFamily="2" charset="-122"/>
                 <a:cs typeface="+mn-cs"/>
               </a:rPr>
-              <a:t>/T2</a:t>
+              <a:t>能在预测短期左旋多巴响应</a:t>
             </a:r>
             <a:r>
               <a:rPr kumimoji="0" lang="en-US" altLang="zh-CN" sz="2800" b="0" i="0" u="none" strike="noStrike" kern="1200" cap="none" spc="0" normalizeH="0" baseline="0" noProof="0" dirty="0">
@@ -9027,7 +9175,9 @@
                   <a:noFill/>
                 </a:ln>
                 <a:solidFill>
-                  <a:prstClr val="black"/>
+                  <a:schemeClr val="bg1">
+                    <a:lumMod val="75000"/>
+                  </a:schemeClr>
                 </a:solidFill>
                 <a:effectLst/>
                 <a:uLnTx/>
@@ -9036,7 +9186,7 @@
                 <a:ea typeface="等线" panose="02010600030101010101" pitchFamily="2" charset="-122"/>
                 <a:cs typeface="+mn-cs"/>
               </a:rPr>
-              <a:t>)</a:t>
+              <a:t>(SDR)</a:t>
             </a:r>
             <a:r>
               <a:rPr kumimoji="0" lang="zh-CN" altLang="en-US" sz="2800" b="0" i="0" u="none" strike="noStrike" kern="1200" cap="none" spc="0" normalizeH="0" baseline="0" noProof="0" dirty="0">
@@ -9044,7 +9194,9 @@
                   <a:noFill/>
                 </a:ln>
                 <a:solidFill>
-                  <a:prstClr val="black"/>
+                  <a:schemeClr val="bg1">
+                    <a:lumMod val="75000"/>
+                  </a:schemeClr>
                 </a:solidFill>
                 <a:effectLst/>
                 <a:uLnTx/>
@@ -9053,40 +9205,6 @@
                 <a:ea typeface="等线" panose="02010600030101010101" pitchFamily="2" charset="-122"/>
                 <a:cs typeface="+mn-cs"/>
               </a:rPr>
-              <a:t>能在预测短期左旋多巴响应</a:t>
-            </a:r>
-            <a:r>
-              <a:rPr kumimoji="0" lang="en-US" altLang="zh-CN" sz="2800" b="0" i="0" u="none" strike="noStrike" kern="1200" cap="none" spc="0" normalizeH="0" baseline="0" noProof="0" dirty="0">
-                <a:ln>
-                  <a:noFill/>
-                </a:ln>
-                <a:solidFill>
-                  <a:prstClr val="black"/>
-                </a:solidFill>
-                <a:effectLst/>
-                <a:uLnTx/>
-                <a:uFillTx/>
-                <a:latin typeface="等线" panose="020F0502020204030204"/>
-                <a:ea typeface="等线" panose="02010600030101010101" pitchFamily="2" charset="-122"/>
-                <a:cs typeface="+mn-cs"/>
-              </a:rPr>
-              <a:t>(SDR)</a:t>
-            </a:r>
-            <a:r>
-              <a:rPr kumimoji="0" lang="zh-CN" altLang="en-US" sz="2800" b="0" i="0" u="none" strike="noStrike" kern="1200" cap="none" spc="0" normalizeH="0" baseline="0" noProof="0" dirty="0">
-                <a:ln>
-                  <a:noFill/>
-                </a:ln>
-                <a:solidFill>
-                  <a:prstClr val="black"/>
-                </a:solidFill>
-                <a:effectLst/>
-                <a:uLnTx/>
-                <a:uFillTx/>
-                <a:latin typeface="等线" panose="020F0502020204030204"/>
-                <a:ea typeface="等线" panose="02010600030101010101" pitchFamily="2" charset="-122"/>
-                <a:cs typeface="+mn-cs"/>
-              </a:rPr>
               <a:t>的任务上起多大程度的作用？</a:t>
             </a:r>
             <a:endParaRPr kumimoji="0" lang="en-US" altLang="zh-CN" sz="2800" b="0" i="0" u="none" strike="noStrike" kern="1200" cap="none" spc="0" normalizeH="0" baseline="0" noProof="0" dirty="0">
@@ -9094,7 +9212,9 @@
                 <a:noFill/>
               </a:ln>
               <a:solidFill>
-                <a:prstClr val="black"/>
+                <a:schemeClr val="bg1">
+                  <a:lumMod val="75000"/>
+                </a:schemeClr>
               </a:solidFill>
               <a:effectLst/>
               <a:uLnTx/>
@@ -9127,7 +9247,9 @@
                 <a:noFill/>
               </a:ln>
               <a:solidFill>
-                <a:prstClr val="black"/>
+                <a:schemeClr val="bg1">
+                  <a:lumMod val="75000"/>
+                </a:schemeClr>
               </a:solidFill>
               <a:effectLst/>
               <a:uLnTx/>
@@ -9161,7 +9283,9 @@
                   <a:noFill/>
                 </a:ln>
                 <a:solidFill>
-                  <a:prstClr val="black"/>
+                  <a:schemeClr val="bg1">
+                    <a:lumMod val="75000"/>
+                  </a:schemeClr>
                 </a:solidFill>
                 <a:effectLst/>
                 <a:uLnTx/>
@@ -9178,7 +9302,9 @@
                   <a:noFill/>
                 </a:ln>
                 <a:solidFill>
-                  <a:prstClr val="black"/>
+                  <a:schemeClr val="bg1">
+                    <a:lumMod val="75000"/>
+                  </a:schemeClr>
                 </a:solidFill>
                 <a:effectLst/>
                 <a:uLnTx/>
@@ -9195,7 +9321,9 @@
                   <a:noFill/>
                 </a:ln>
                 <a:solidFill>
-                  <a:prstClr val="black"/>
+                  <a:schemeClr val="bg1">
+                    <a:lumMod val="75000"/>
+                  </a:schemeClr>
                 </a:solidFill>
                 <a:effectLst/>
                 <a:uLnTx/>
@@ -9212,7 +9340,9 @@
                   <a:noFill/>
                 </a:ln>
                 <a:solidFill>
-                  <a:prstClr val="black"/>
+                  <a:schemeClr val="bg1">
+                    <a:lumMod val="75000"/>
+                  </a:schemeClr>
                 </a:solidFill>
                 <a:effectLst/>
                 <a:uLnTx/>
@@ -9229,7 +9359,9 @@
                   <a:noFill/>
                 </a:ln>
                 <a:solidFill>
-                  <a:prstClr val="black"/>
+                  <a:schemeClr val="bg1">
+                    <a:lumMod val="75000"/>
+                  </a:schemeClr>
                 </a:solidFill>
                 <a:effectLst/>
                 <a:uLnTx/>
@@ -9246,7 +9378,9 @@
                   <a:noFill/>
                 </a:ln>
                 <a:solidFill>
-                  <a:prstClr val="black"/>
+                  <a:schemeClr val="bg1">
+                    <a:lumMod val="75000"/>
+                  </a:schemeClr>
                 </a:solidFill>
                 <a:effectLst/>
                 <a:uLnTx/>
@@ -9262,7 +9396,9 @@
                 <a:noFill/>
               </a:ln>
               <a:solidFill>
-                <a:prstClr val="black"/>
+                <a:schemeClr val="bg1">
+                  <a:lumMod val="75000"/>
+                </a:schemeClr>
               </a:solidFill>
               <a:effectLst/>
               <a:uLnTx/>
@@ -9295,7 +9431,9 @@
                 <a:noFill/>
               </a:ln>
               <a:solidFill>
-                <a:prstClr val="black"/>
+                <a:schemeClr val="bg1">
+                  <a:lumMod val="75000"/>
+                </a:schemeClr>
               </a:solidFill>
               <a:effectLst/>
               <a:uLnTx/>
@@ -9329,7 +9467,9 @@
                   <a:noFill/>
                 </a:ln>
                 <a:solidFill>
-                  <a:prstClr val="black"/>
+                  <a:schemeClr val="bg1">
+                    <a:lumMod val="75000"/>
+                  </a:schemeClr>
                 </a:solidFill>
                 <a:effectLst/>
                 <a:uLnTx/>
@@ -9346,7 +9486,9 @@
                   <a:noFill/>
                 </a:ln>
                 <a:solidFill>
-                  <a:prstClr val="black"/>
+                  <a:schemeClr val="bg1">
+                    <a:lumMod val="75000"/>
+                  </a:schemeClr>
                 </a:solidFill>
                 <a:effectLst/>
                 <a:uLnTx/>
@@ -9363,7 +9505,9 @@
                   <a:noFill/>
                 </a:ln>
                 <a:solidFill>
-                  <a:prstClr val="black"/>
+                  <a:schemeClr val="bg1">
+                    <a:lumMod val="75000"/>
+                  </a:schemeClr>
                 </a:solidFill>
                 <a:effectLst/>
                 <a:uLnTx/>
@@ -9380,7 +9524,9 @@
                   <a:noFill/>
                 </a:ln>
                 <a:solidFill>
-                  <a:prstClr val="black"/>
+                  <a:schemeClr val="bg1">
+                    <a:lumMod val="75000"/>
+                  </a:schemeClr>
                 </a:solidFill>
                 <a:effectLst/>
                 <a:uLnTx/>
@@ -9396,7 +9542,9 @@
                 <a:noFill/>
               </a:ln>
               <a:solidFill>
-                <a:prstClr val="black"/>
+                <a:schemeClr val="bg1">
+                  <a:lumMod val="75000"/>
+                </a:schemeClr>
               </a:solidFill>
               <a:effectLst/>
               <a:uLnTx/>
@@ -9430,7 +9578,9 @@
                   <a:noFill/>
                 </a:ln>
                 <a:solidFill>
-                  <a:prstClr val="black"/>
+                  <a:schemeClr val="bg1">
+                    <a:lumMod val="75000"/>
+                  </a:schemeClr>
                 </a:solidFill>
                 <a:effectLst/>
                 <a:uLnTx/>
@@ -9447,7 +9597,9 @@
                   <a:noFill/>
                 </a:ln>
                 <a:solidFill>
-                  <a:prstClr val="black"/>
+                  <a:schemeClr val="bg1">
+                    <a:lumMod val="75000"/>
+                  </a:schemeClr>
                 </a:solidFill>
                 <a:effectLst/>
                 <a:uLnTx/>
@@ -9464,7 +9616,9 @@
                   <a:noFill/>
                 </a:ln>
                 <a:solidFill>
-                  <a:prstClr val="black"/>
+                  <a:schemeClr val="bg1">
+                    <a:lumMod val="75000"/>
+                  </a:schemeClr>
                 </a:solidFill>
                 <a:effectLst/>
                 <a:uLnTx/>
@@ -9481,7 +9635,9 @@
                   <a:noFill/>
                 </a:ln>
                 <a:solidFill>
-                  <a:prstClr val="black"/>
+                  <a:schemeClr val="bg1">
+                    <a:lumMod val="75000"/>
+                  </a:schemeClr>
                 </a:solidFill>
                 <a:effectLst/>
                 <a:uLnTx/>
@@ -9498,7 +9654,9 @@
                   <a:noFill/>
                 </a:ln>
                 <a:solidFill>
-                  <a:prstClr val="black"/>
+                  <a:schemeClr val="bg1">
+                    <a:lumMod val="75000"/>
+                  </a:schemeClr>
                 </a:solidFill>
                 <a:effectLst/>
                 <a:uLnTx/>
@@ -9515,7 +9673,9 @@
                   <a:noFill/>
                 </a:ln>
                 <a:solidFill>
-                  <a:prstClr val="black"/>
+                  <a:schemeClr val="bg1">
+                    <a:lumMod val="75000"/>
+                  </a:schemeClr>
                 </a:solidFill>
                 <a:effectLst/>
                 <a:uLnTx/>
@@ -9532,7 +9692,9 @@
                   <a:noFill/>
                 </a:ln>
                 <a:solidFill>
-                  <a:prstClr val="black"/>
+                  <a:schemeClr val="bg1">
+                    <a:lumMod val="75000"/>
+                  </a:schemeClr>
                 </a:solidFill>
                 <a:effectLst/>
                 <a:uLnTx/>
@@ -9549,7 +9711,9 @@
                   <a:noFill/>
                 </a:ln>
                 <a:solidFill>
-                  <a:prstClr val="black"/>
+                  <a:schemeClr val="bg1">
+                    <a:lumMod val="75000"/>
+                  </a:schemeClr>
                 </a:solidFill>
                 <a:effectLst/>
                 <a:uLnTx/>
@@ -9566,7 +9730,9 @@
                   <a:noFill/>
                 </a:ln>
                 <a:solidFill>
-                  <a:prstClr val="black"/>
+                  <a:schemeClr val="bg1">
+                    <a:lumMod val="75000"/>
+                  </a:schemeClr>
                 </a:solidFill>
                 <a:effectLst/>
                 <a:uLnTx/>
@@ -9583,7 +9749,9 @@
                   <a:noFill/>
                 </a:ln>
                 <a:solidFill>
-                  <a:prstClr val="black"/>
+                  <a:schemeClr val="bg1">
+                    <a:lumMod val="75000"/>
+                  </a:schemeClr>
                 </a:solidFill>
                 <a:effectLst/>
                 <a:uLnTx/>
@@ -9600,7 +9768,9 @@
                   <a:noFill/>
                 </a:ln>
                 <a:solidFill>
-                  <a:prstClr val="black"/>
+                  <a:schemeClr val="bg1">
+                    <a:lumMod val="75000"/>
+                  </a:schemeClr>
                 </a:solidFill>
                 <a:effectLst/>
                 <a:uLnTx/>
@@ -9617,7 +9787,9 @@
                   <a:noFill/>
                 </a:ln>
                 <a:solidFill>
-                  <a:prstClr val="black"/>
+                  <a:schemeClr val="bg1">
+                    <a:lumMod val="75000"/>
+                  </a:schemeClr>
                 </a:solidFill>
                 <a:effectLst/>
                 <a:uLnTx/>
@@ -9653,7 +9825,9 @@
                   <a:noFill/>
                 </a:ln>
                 <a:solidFill>
-                  <a:prstClr val="black"/>
+                  <a:schemeClr val="bg1">
+                    <a:lumMod val="75000"/>
+                  </a:schemeClr>
                 </a:solidFill>
                 <a:effectLst/>
                 <a:uLnTx/>
@@ -9669,7 +9843,9 @@
                 <a:noFill/>
               </a:ln>
               <a:solidFill>
-                <a:prstClr val="black"/>
+                <a:schemeClr val="bg1">
+                  <a:lumMod val="75000"/>
+                </a:schemeClr>
               </a:solidFill>
               <a:effectLst/>
               <a:uLnTx/>
@@ -9761,7 +9937,7 @@
         <p:spPr>
           <a:xfrm>
             <a:off x="959468" y="1372033"/>
-            <a:ext cx="9884541" cy="2246769"/>
+            <a:ext cx="9884541" cy="2677656"/>
           </a:xfrm>
           <a:prstGeom prst="rect">
             <a:avLst/>
@@ -9819,9 +9995,18 @@
             </a:r>
             <a:r>
               <a:rPr lang="zh-CN" altLang="en-US" sz="2800" dirty="0"/>
-              <a:t>神经退行性疾病领域较为关键的影像特征</a:t>
+              <a:t>神经退行性疾病领域较为关键的影像特征？</a:t>
             </a:r>
             <a:endParaRPr lang="en-US" altLang="zh-CN" sz="2800" dirty="0"/>
+          </a:p>
+          <a:p>
+            <a:pPr marL="457200" indent="-457200">
+              <a:buAutoNum type="arabicPeriod"/>
+            </a:pPr>
+            <a:r>
+              <a:rPr lang="en-US" altLang="zh-CN" sz="2800" dirty="0"/>
+              <a:t>……</a:t>
+            </a:r>
           </a:p>
         </p:txBody>
       </p:sp>
@@ -9884,14 +10069,32 @@
           <a:lstStyle/>
           <a:p>
             <a:r>
-              <a:rPr lang="zh-CN" altLang="en-US" sz="3600" b="1" dirty="0"/>
+              <a:rPr lang="zh-CN" altLang="en-US" sz="3600" b="1" dirty="0">
+                <a:solidFill>
+                  <a:schemeClr val="bg1">
+                    <a:lumMod val="75000"/>
+                  </a:schemeClr>
+                </a:solidFill>
+              </a:rPr>
               <a:t>研究思路 </a:t>
             </a:r>
             <a:r>
-              <a:rPr lang="en-US" altLang="zh-CN" sz="3600" b="1" dirty="0"/>
+              <a:rPr lang="en-US" altLang="zh-CN" sz="3600" b="1" dirty="0">
+                <a:solidFill>
+                  <a:schemeClr val="bg1">
+                    <a:lumMod val="75000"/>
+                  </a:schemeClr>
+                </a:solidFill>
+              </a:rPr>
               <a:t>Survey</a:t>
             </a:r>
-            <a:endParaRPr lang="zh-CN" altLang="en-US" sz="3600" b="1" dirty="0"/>
+            <a:endParaRPr lang="zh-CN" altLang="en-US" sz="3600" b="1" dirty="0">
+              <a:solidFill>
+                <a:schemeClr val="bg1">
+                  <a:lumMod val="75000"/>
+                </a:schemeClr>
+              </a:solidFill>
+            </a:endParaRPr>
           </a:p>
         </p:txBody>
       </p:sp>
@@ -9927,83 +10130,185 @@
               <a:buAutoNum type="arabicPeriod"/>
             </a:pPr>
             <a:r>
-              <a:rPr lang="en-US" altLang="zh-CN" sz="2800" dirty="0"/>
+              <a:rPr lang="en-US" altLang="zh-CN" sz="2800" dirty="0">
+                <a:solidFill>
+                  <a:schemeClr val="bg1">
+                    <a:lumMod val="75000"/>
+                  </a:schemeClr>
+                </a:solidFill>
+              </a:rPr>
               <a:t>Prediction:</a:t>
             </a:r>
           </a:p>
           <a:p>
             <a:pPr lvl="1"/>
             <a:r>
-              <a:rPr lang="zh-CN" altLang="en-US" sz="2800" dirty="0"/>
+              <a:rPr lang="zh-CN" altLang="en-US" sz="2800" dirty="0">
+                <a:solidFill>
+                  <a:schemeClr val="bg1">
+                    <a:lumMod val="75000"/>
+                  </a:schemeClr>
+                </a:solidFill>
+              </a:rPr>
               <a:t>调研</a:t>
             </a:r>
             <a:r>
-              <a:rPr lang="en-US" altLang="zh-CN" sz="2800" dirty="0"/>
+              <a:rPr lang="en-US" altLang="zh-CN" sz="2800" dirty="0">
+                <a:solidFill>
+                  <a:schemeClr val="bg1">
+                    <a:lumMod val="75000"/>
+                  </a:schemeClr>
+                </a:solidFill>
+              </a:rPr>
               <a:t>MRI</a:t>
             </a:r>
             <a:r>
-              <a:rPr lang="zh-CN" altLang="en-US" sz="2800" dirty="0"/>
+              <a:rPr lang="zh-CN" altLang="en-US" sz="2800" dirty="0">
+                <a:solidFill>
+                  <a:schemeClr val="bg1">
+                    <a:lumMod val="75000"/>
+                  </a:schemeClr>
+                </a:solidFill>
+              </a:rPr>
               <a:t>预测左旋多巴响应相关研究，关注数据来源，使用特征，分析方法，使用模型，输入输出，模型表现及整体流程</a:t>
             </a:r>
-            <a:endParaRPr lang="en-US" altLang="zh-CN" sz="2800" dirty="0"/>
+            <a:endParaRPr lang="en-US" altLang="zh-CN" sz="2800" dirty="0">
+              <a:solidFill>
+                <a:schemeClr val="bg1">
+                  <a:lumMod val="75000"/>
+                </a:schemeClr>
+              </a:solidFill>
+            </a:endParaRPr>
           </a:p>
           <a:p>
             <a:pPr marL="457200" indent="-457200">
               <a:buAutoNum type="arabicPeriod"/>
             </a:pPr>
             <a:r>
-              <a:rPr lang="en-US" altLang="zh-CN" sz="2800" dirty="0"/>
+              <a:rPr lang="en-US" altLang="zh-CN" sz="2800" dirty="0">
+                <a:solidFill>
+                  <a:schemeClr val="bg1">
+                    <a:lumMod val="75000"/>
+                  </a:schemeClr>
+                </a:solidFill>
+              </a:rPr>
               <a:t>Correlation:</a:t>
             </a:r>
           </a:p>
           <a:p>
             <a:pPr lvl="1"/>
             <a:r>
-              <a:rPr lang="zh-CN" altLang="en-US" sz="2800" dirty="0"/>
+              <a:rPr lang="zh-CN" altLang="en-US" sz="2800" dirty="0">
+                <a:solidFill>
+                  <a:schemeClr val="bg1">
+                    <a:lumMod val="75000"/>
+                  </a:schemeClr>
+                </a:solidFill>
+              </a:rPr>
               <a:t>调研左旋多巴响应与其他不局限于</a:t>
             </a:r>
             <a:r>
-              <a:rPr lang="en-US" altLang="zh-CN" sz="2800" dirty="0"/>
+              <a:rPr lang="en-US" altLang="zh-CN" sz="2800" dirty="0">
+                <a:solidFill>
+                  <a:schemeClr val="bg1">
+                    <a:lumMod val="75000"/>
+                  </a:schemeClr>
+                </a:solidFill>
+              </a:rPr>
               <a:t>MRI</a:t>
             </a:r>
             <a:r>
-              <a:rPr lang="zh-CN" altLang="en-US" sz="2800" dirty="0"/>
+              <a:rPr lang="zh-CN" altLang="en-US" sz="2800" dirty="0">
+                <a:solidFill>
+                  <a:schemeClr val="bg1">
+                    <a:lumMod val="75000"/>
+                  </a:schemeClr>
+                </a:solidFill>
+              </a:rPr>
               <a:t>影像因素的相关性研究，关注数据来源，分析方法，结论提示的潜在预测特征</a:t>
             </a:r>
-            <a:endParaRPr lang="en-US" altLang="zh-CN" sz="2800" dirty="0"/>
+            <a:endParaRPr lang="en-US" altLang="zh-CN" sz="2800" dirty="0">
+              <a:solidFill>
+                <a:schemeClr val="bg1">
+                  <a:lumMod val="75000"/>
+                </a:schemeClr>
+              </a:solidFill>
+            </a:endParaRPr>
           </a:p>
           <a:p>
             <a:pPr marL="457200" indent="-457200">
               <a:buAutoNum type="arabicPeriod"/>
             </a:pPr>
             <a:r>
-              <a:rPr lang="en-US" altLang="zh-CN" sz="2800" dirty="0"/>
+              <a:rPr lang="en-US" altLang="zh-CN" sz="2800" dirty="0">
+                <a:solidFill>
+                  <a:schemeClr val="bg1">
+                    <a:lumMod val="75000"/>
+                  </a:schemeClr>
+                </a:solidFill>
+              </a:rPr>
               <a:t>Review:</a:t>
             </a:r>
           </a:p>
           <a:p>
             <a:pPr lvl="1"/>
             <a:r>
-              <a:rPr lang="zh-CN" altLang="en-US" sz="2800" dirty="0"/>
+              <a:rPr lang="zh-CN" altLang="en-US" sz="2800" dirty="0">
+                <a:solidFill>
+                  <a:schemeClr val="bg1">
+                    <a:lumMod val="75000"/>
+                  </a:schemeClr>
+                </a:solidFill>
+              </a:rPr>
               <a:t>调研</a:t>
             </a:r>
             <a:r>
-              <a:rPr lang="en-US" altLang="zh-CN" sz="2800" dirty="0"/>
+              <a:rPr lang="en-US" altLang="zh-CN" sz="2800" dirty="0">
+                <a:solidFill>
+                  <a:schemeClr val="bg1">
+                    <a:lumMod val="75000"/>
+                  </a:schemeClr>
+                </a:solidFill>
+              </a:rPr>
               <a:t>PD</a:t>
             </a:r>
             <a:r>
-              <a:rPr lang="zh-CN" altLang="en-US" sz="2800" dirty="0"/>
+              <a:rPr lang="zh-CN" altLang="en-US" sz="2800" dirty="0">
+                <a:solidFill>
+                  <a:schemeClr val="bg1">
+                    <a:lumMod val="75000"/>
+                  </a:schemeClr>
+                </a:solidFill>
+              </a:rPr>
               <a:t>领域使用机器学习方法进行分类的研究及从</a:t>
             </a:r>
             <a:r>
-              <a:rPr lang="en-US" altLang="zh-CN" sz="2800" dirty="0"/>
+              <a:rPr lang="en-US" altLang="zh-CN" sz="2800" dirty="0">
+                <a:solidFill>
+                  <a:schemeClr val="bg1">
+                    <a:lumMod val="75000"/>
+                  </a:schemeClr>
+                </a:solidFill>
+              </a:rPr>
               <a:t>MRI</a:t>
             </a:r>
             <a:r>
-              <a:rPr lang="zh-CN" altLang="en-US" sz="2800" dirty="0"/>
+              <a:rPr lang="zh-CN" altLang="en-US" sz="2800" dirty="0">
+                <a:solidFill>
+                  <a:schemeClr val="bg1">
+                    <a:lumMod val="75000"/>
+                  </a:schemeClr>
+                </a:solidFill>
+              </a:rPr>
               <a:t>数据提取影像特征的研究，关注不同模型性能、特征提取方法，左旋多巴响应相关潜在的预测因子</a:t>
             </a:r>
-            <a:endParaRPr lang="en-US" altLang="zh-CN" sz="2800" dirty="0"/>
+            <a:endParaRPr lang="en-US" altLang="zh-CN" sz="2800" dirty="0">
+              <a:solidFill>
+                <a:schemeClr val="bg1">
+                  <a:lumMod val="75000"/>
+                </a:schemeClr>
+              </a:solidFill>
+            </a:endParaRPr>
           </a:p>
         </p:txBody>
       </p:sp>
@@ -10066,7 +10371,13 @@
           <a:lstStyle/>
           <a:p>
             <a:r>
-              <a:rPr lang="zh-CN" altLang="en-US" sz="3600" b="1" dirty="0"/>
+              <a:rPr lang="zh-CN" altLang="en-US" sz="3600" b="1" dirty="0">
+                <a:solidFill>
+                  <a:schemeClr val="bg1">
+                    <a:lumMod val="75000"/>
+                  </a:schemeClr>
+                </a:solidFill>
+              </a:rPr>
               <a:t>研究思路</a:t>
             </a:r>
           </a:p>
@@ -10104,37 +10415,85 @@
               <a:buAutoNum type="arabicPeriod"/>
             </a:pPr>
             <a:r>
-              <a:rPr lang="zh-CN" altLang="en-US" sz="2800" dirty="0"/>
+              <a:rPr lang="zh-CN" altLang="en-US" sz="2800" dirty="0">
+                <a:solidFill>
+                  <a:schemeClr val="bg1">
+                    <a:lumMod val="75000"/>
+                  </a:schemeClr>
+                </a:solidFill>
+              </a:rPr>
               <a:t>根据调研结果确定使用的非影像特征，在此基础上对</a:t>
             </a:r>
             <a:r>
-              <a:rPr lang="en-US" altLang="zh-CN" sz="2800" dirty="0"/>
+              <a:rPr lang="en-US" altLang="zh-CN" sz="2800" dirty="0">
+                <a:solidFill>
+                  <a:schemeClr val="bg1">
+                    <a:lumMod val="75000"/>
+                  </a:schemeClr>
+                </a:solidFill>
+              </a:rPr>
               <a:t>PPMI</a:t>
             </a:r>
             <a:r>
-              <a:rPr lang="zh-CN" altLang="en-US" sz="2800" dirty="0"/>
+              <a:rPr lang="zh-CN" altLang="en-US" sz="2800" dirty="0">
+                <a:solidFill>
+                  <a:schemeClr val="bg1">
+                    <a:lumMod val="75000"/>
+                  </a:schemeClr>
+                </a:solidFill>
+              </a:rPr>
               <a:t>数据进行筛选处理，得到最终使用的数据</a:t>
             </a:r>
-            <a:endParaRPr lang="en-US" altLang="zh-CN" sz="2800" dirty="0"/>
+            <a:endParaRPr lang="en-US" altLang="zh-CN" sz="2800" dirty="0">
+              <a:solidFill>
+                <a:schemeClr val="bg1">
+                  <a:lumMod val="75000"/>
+                </a:schemeClr>
+              </a:solidFill>
+            </a:endParaRPr>
           </a:p>
           <a:p>
             <a:pPr marL="457200" indent="-457200">
               <a:buAutoNum type="arabicPeriod"/>
             </a:pPr>
             <a:r>
-              <a:rPr lang="zh-CN" altLang="en-US" sz="2800" dirty="0"/>
+              <a:rPr lang="zh-CN" altLang="en-US" sz="2800" dirty="0">
+                <a:solidFill>
+                  <a:schemeClr val="bg1">
+                    <a:lumMod val="75000"/>
+                  </a:schemeClr>
+                </a:solidFill>
+              </a:rPr>
               <a:t>根据调研结果确定预测响应使用的多个模型，在非影像数据的基础上基于</a:t>
             </a:r>
             <a:r>
-              <a:rPr lang="en-US" altLang="zh-CN" sz="2800" dirty="0"/>
+              <a:rPr lang="en-US" altLang="zh-CN" sz="2800" dirty="0">
+                <a:solidFill>
+                  <a:schemeClr val="bg1">
+                    <a:lumMod val="75000"/>
+                  </a:schemeClr>
+                </a:solidFill>
+              </a:rPr>
               <a:t>python</a:t>
             </a:r>
             <a:r>
-              <a:rPr lang="zh-CN" altLang="en-US" sz="2800" dirty="0"/>
+              <a:rPr lang="zh-CN" altLang="en-US" sz="2800" dirty="0">
+                <a:solidFill>
+                  <a:schemeClr val="bg1">
+                    <a:lumMod val="75000"/>
+                  </a:schemeClr>
+                </a:solidFill>
+              </a:rPr>
               <a:t>搭建一个训练、测试、输出结果的</a:t>
             </a:r>
             <a:r>
-              <a:rPr lang="en-US" altLang="zh-CN" sz="2800" dirty="0"/>
+              <a:rPr lang="en-US" altLang="zh-CN" sz="2800" dirty="0">
+                <a:solidFill>
+                  <a:schemeClr val="bg1">
+                    <a:lumMod val="75000"/>
+                  </a:schemeClr>
+                </a:solidFill>
+              </a:rPr>
               <a:t>pipeline</a:t>
             </a:r>
           </a:p>
@@ -10143,54 +10502,126 @@
               <a:buAutoNum type="arabicPeriod"/>
             </a:pPr>
             <a:r>
-              <a:rPr lang="zh-CN" altLang="en-US" sz="2800" dirty="0"/>
+              <a:rPr lang="zh-CN" altLang="en-US" sz="2800" dirty="0">
+                <a:solidFill>
+                  <a:schemeClr val="bg1">
+                    <a:lumMod val="75000"/>
+                  </a:schemeClr>
+                </a:solidFill>
+              </a:rPr>
               <a:t>调研</a:t>
             </a:r>
             <a:r>
-              <a:rPr lang="en-US" altLang="zh-CN" sz="2800" dirty="0"/>
+              <a:rPr lang="en-US" altLang="zh-CN" sz="2800" dirty="0">
+                <a:solidFill>
+                  <a:schemeClr val="bg1">
+                    <a:lumMod val="75000"/>
+                  </a:schemeClr>
+                </a:solidFill>
+              </a:rPr>
               <a:t>PD</a:t>
             </a:r>
             <a:r>
-              <a:rPr lang="zh-CN" altLang="en-US" sz="2800" dirty="0"/>
+              <a:rPr lang="zh-CN" altLang="en-US" sz="2800" dirty="0">
+                <a:solidFill>
+                  <a:schemeClr val="bg1">
+                    <a:lumMod val="75000"/>
+                  </a:schemeClr>
+                </a:solidFill>
+              </a:rPr>
               <a:t>及其他神经退行性疾病研究中所提取的结构影像特征，并尝试实现算法，从</a:t>
             </a:r>
             <a:r>
-              <a:rPr lang="en-US" altLang="zh-CN" sz="2800" dirty="0"/>
+              <a:rPr lang="en-US" altLang="zh-CN" sz="2800" dirty="0">
+                <a:solidFill>
+                  <a:schemeClr val="bg1">
+                    <a:lumMod val="75000"/>
+                  </a:schemeClr>
+                </a:solidFill>
+              </a:rPr>
               <a:t>PPMI</a:t>
             </a:r>
             <a:r>
-              <a:rPr lang="zh-CN" altLang="en-US" sz="2800" dirty="0"/>
+              <a:rPr lang="zh-CN" altLang="en-US" sz="2800" dirty="0">
+                <a:solidFill>
+                  <a:schemeClr val="bg1">
+                    <a:lumMod val="75000"/>
+                  </a:schemeClr>
+                </a:solidFill>
+              </a:rPr>
               <a:t>数据中提取对应特征</a:t>
             </a:r>
-            <a:endParaRPr lang="en-US" altLang="zh-CN" sz="2800" dirty="0"/>
+            <a:endParaRPr lang="en-US" altLang="zh-CN" sz="2800" dirty="0">
+              <a:solidFill>
+                <a:schemeClr val="bg1">
+                  <a:lumMod val="75000"/>
+                </a:schemeClr>
+              </a:solidFill>
+            </a:endParaRPr>
           </a:p>
           <a:p>
             <a:pPr marL="457200" indent="-457200">
               <a:buAutoNum type="arabicPeriod"/>
             </a:pPr>
             <a:r>
-              <a:rPr lang="zh-CN" altLang="en-US" sz="2800" dirty="0"/>
+              <a:rPr lang="zh-CN" altLang="en-US" sz="2800" dirty="0">
+                <a:solidFill>
+                  <a:schemeClr val="bg1">
+                    <a:lumMod val="75000"/>
+                  </a:schemeClr>
+                </a:solidFill>
+              </a:rPr>
               <a:t>针对上述实现的特征，按照不同的组合拼接到非影像特征上，通过</a:t>
             </a:r>
             <a:r>
-              <a:rPr lang="en-US" altLang="zh-CN" sz="2800" dirty="0"/>
+              <a:rPr lang="en-US" altLang="zh-CN" sz="2800" dirty="0">
+                <a:solidFill>
+                  <a:schemeClr val="bg1">
+                    <a:lumMod val="75000"/>
+                  </a:schemeClr>
+                </a:solidFill>
+              </a:rPr>
               <a:t>pipeline</a:t>
             </a:r>
             <a:r>
-              <a:rPr lang="zh-CN" altLang="en-US" sz="2800" dirty="0"/>
+              <a:rPr lang="zh-CN" altLang="en-US" sz="2800" dirty="0">
+                <a:solidFill>
+                  <a:schemeClr val="bg1">
+                    <a:lumMod val="75000"/>
+                  </a:schemeClr>
+                </a:solidFill>
+              </a:rPr>
               <a:t>对相应特征在预测响应任务上的性能提升能力进行评估，并找到能带来最大提升的特征</a:t>
             </a:r>
-            <a:endParaRPr lang="en-US" altLang="zh-CN" sz="2800" dirty="0"/>
+            <a:endParaRPr lang="en-US" altLang="zh-CN" sz="2800" dirty="0">
+              <a:solidFill>
+                <a:schemeClr val="bg1">
+                  <a:lumMod val="75000"/>
+                </a:schemeClr>
+              </a:solidFill>
+            </a:endParaRPr>
           </a:p>
           <a:p>
             <a:pPr marL="457200" indent="-457200">
               <a:buAutoNum type="arabicPeriod"/>
             </a:pPr>
             <a:r>
-              <a:rPr lang="zh-CN" altLang="en-US" sz="2800" dirty="0"/>
+              <a:rPr lang="zh-CN" altLang="en-US" sz="2800" dirty="0">
+                <a:solidFill>
+                  <a:schemeClr val="bg1">
+                    <a:lumMod val="75000"/>
+                  </a:schemeClr>
+                </a:solidFill>
+              </a:rPr>
               <a:t>查找相关文献，尝试解读其病理生理意义</a:t>
             </a:r>
-            <a:endParaRPr lang="en-US" altLang="zh-CN" sz="2800" dirty="0"/>
+            <a:endParaRPr lang="en-US" altLang="zh-CN" sz="2800" dirty="0">
+              <a:solidFill>
+                <a:schemeClr val="bg1">
+                  <a:lumMod val="75000"/>
+                </a:schemeClr>
+              </a:solidFill>
+            </a:endParaRPr>
           </a:p>
         </p:txBody>
       </p:sp>
@@ -10253,7 +10684,13 @@
           <a:lstStyle/>
           <a:p>
             <a:r>
-              <a:rPr lang="zh-CN" altLang="en-US" sz="3600" b="1" dirty="0"/>
+              <a:rPr lang="zh-CN" altLang="en-US" sz="3600" b="1" dirty="0">
+                <a:solidFill>
+                  <a:schemeClr val="bg1">
+                    <a:lumMod val="75000"/>
+                  </a:schemeClr>
+                </a:solidFill>
+              </a:rPr>
               <a:t>研究思路</a:t>
             </a:r>
           </a:p>
@@ -10294,17 +10731,35 @@
           <a:p>
             <a:pPr algn="ctr"/>
             <a:r>
-              <a:rPr lang="en-US" altLang="zh-CN" sz="1600" dirty="0"/>
+              <a:rPr lang="en-US" altLang="zh-CN" sz="1600" dirty="0">
+                <a:solidFill>
+                  <a:schemeClr val="bg1">
+                    <a:lumMod val="75000"/>
+                  </a:schemeClr>
+                </a:solidFill>
+              </a:rPr>
               <a:t>Non-imaging</a:t>
             </a:r>
           </a:p>
           <a:p>
             <a:pPr algn="ctr"/>
             <a:r>
-              <a:rPr lang="en-US" altLang="zh-CN" sz="1600" dirty="0"/>
+              <a:rPr lang="en-US" altLang="zh-CN" sz="1600" dirty="0">
+                <a:solidFill>
+                  <a:schemeClr val="bg1">
+                    <a:lumMod val="75000"/>
+                  </a:schemeClr>
+                </a:solidFill>
+              </a:rPr>
               <a:t>Features</a:t>
             </a:r>
-            <a:endParaRPr lang="zh-CN" altLang="en-US" sz="1600" dirty="0"/>
+            <a:endParaRPr lang="zh-CN" altLang="en-US" sz="1600" dirty="0">
+              <a:solidFill>
+                <a:schemeClr val="bg1">
+                  <a:lumMod val="75000"/>
+                </a:schemeClr>
+              </a:solidFill>
+            </a:endParaRPr>
           </a:p>
         </p:txBody>
       </p:sp>
@@ -10343,17 +10798,35 @@
           <a:p>
             <a:pPr algn="ctr"/>
             <a:r>
-              <a:rPr lang="en-US" altLang="zh-CN" sz="1600" dirty="0"/>
+              <a:rPr lang="en-US" altLang="zh-CN" sz="1600" dirty="0">
+                <a:solidFill>
+                  <a:schemeClr val="bg1">
+                    <a:lumMod val="75000"/>
+                  </a:schemeClr>
+                </a:solidFill>
+              </a:rPr>
               <a:t>PPMI</a:t>
             </a:r>
           </a:p>
           <a:p>
             <a:pPr algn="ctr"/>
             <a:r>
-              <a:rPr lang="en-US" altLang="zh-CN" sz="1600" dirty="0"/>
+              <a:rPr lang="en-US" altLang="zh-CN" sz="1600" dirty="0">
+                <a:solidFill>
+                  <a:schemeClr val="bg1">
+                    <a:lumMod val="75000"/>
+                  </a:schemeClr>
+                </a:solidFill>
+              </a:rPr>
               <a:t>Dataset</a:t>
             </a:r>
-            <a:endParaRPr lang="zh-CN" altLang="en-US" sz="1600" dirty="0"/>
+            <a:endParaRPr lang="zh-CN" altLang="en-US" sz="1600" dirty="0">
+              <a:solidFill>
+                <a:schemeClr val="bg1">
+                  <a:lumMod val="75000"/>
+                </a:schemeClr>
+              </a:solidFill>
+            </a:endParaRPr>
           </a:p>
         </p:txBody>
       </p:sp>
@@ -10455,10 +10928,22 @@
             <a:p>
               <a:pPr algn="ctr"/>
               <a:r>
-                <a:rPr lang="en-US" altLang="zh-CN" sz="1600" dirty="0"/>
+                <a:rPr lang="en-US" altLang="zh-CN" sz="1600" dirty="0">
+                  <a:solidFill>
+                    <a:schemeClr val="bg1">
+                      <a:lumMod val="75000"/>
+                    </a:schemeClr>
+                  </a:solidFill>
+                </a:rPr>
                 <a:t>SVM</a:t>
               </a:r>
-              <a:endParaRPr lang="zh-CN" altLang="en-US" sz="1600" dirty="0"/>
+              <a:endParaRPr lang="zh-CN" altLang="en-US" sz="1600" dirty="0">
+                <a:solidFill>
+                  <a:schemeClr val="bg1">
+                    <a:lumMod val="75000"/>
+                  </a:schemeClr>
+                </a:solidFill>
+              </a:endParaRPr>
             </a:p>
           </p:txBody>
         </p:sp>
@@ -10497,10 +10982,22 @@
             <a:p>
               <a:pPr algn="ctr"/>
               <a:r>
-                <a:rPr lang="en-US" altLang="zh-CN" sz="1600" dirty="0"/>
+                <a:rPr lang="en-US" altLang="zh-CN" sz="1600" dirty="0">
+                  <a:solidFill>
+                    <a:schemeClr val="bg1">
+                      <a:lumMod val="75000"/>
+                    </a:schemeClr>
+                  </a:solidFill>
+                </a:rPr>
                 <a:t>RF</a:t>
               </a:r>
-              <a:endParaRPr lang="zh-CN" altLang="en-US" sz="1600" dirty="0"/>
+              <a:endParaRPr lang="zh-CN" altLang="en-US" sz="1600" dirty="0">
+                <a:solidFill>
+                  <a:schemeClr val="bg1">
+                    <a:lumMod val="75000"/>
+                  </a:schemeClr>
+                </a:solidFill>
+              </a:endParaRPr>
             </a:p>
           </p:txBody>
         </p:sp>
@@ -10539,10 +11036,22 @@
             <a:p>
               <a:pPr algn="ctr"/>
               <a:r>
-                <a:rPr lang="en-US" altLang="zh-CN" sz="1600" dirty="0"/>
+                <a:rPr lang="en-US" altLang="zh-CN" sz="1600" dirty="0">
+                  <a:solidFill>
+                    <a:schemeClr val="bg1">
+                      <a:lumMod val="75000"/>
+                    </a:schemeClr>
+                  </a:solidFill>
+                </a:rPr>
                 <a:t>…</a:t>
               </a:r>
-              <a:endParaRPr lang="zh-CN" altLang="en-US" sz="1600" dirty="0"/>
+              <a:endParaRPr lang="zh-CN" altLang="en-US" sz="1600" dirty="0">
+                <a:solidFill>
+                  <a:schemeClr val="bg1">
+                    <a:lumMod val="75000"/>
+                  </a:schemeClr>
+                </a:solidFill>
+              </a:endParaRPr>
             </a:p>
           </p:txBody>
         </p:sp>
@@ -10625,17 +11134,35 @@
           <a:p>
             <a:pPr algn="ctr"/>
             <a:r>
-              <a:rPr lang="en-US" altLang="zh-CN" sz="1600" dirty="0"/>
+              <a:rPr lang="en-US" altLang="zh-CN" sz="1600" dirty="0">
+                <a:solidFill>
+                  <a:schemeClr val="bg1">
+                    <a:lumMod val="75000"/>
+                  </a:schemeClr>
+                </a:solidFill>
+              </a:rPr>
               <a:t>Baseline</a:t>
             </a:r>
           </a:p>
           <a:p>
             <a:pPr algn="ctr"/>
             <a:r>
-              <a:rPr lang="en-US" altLang="zh-CN" sz="1600" dirty="0"/>
+              <a:rPr lang="en-US" altLang="zh-CN" sz="1600" dirty="0">
+                <a:solidFill>
+                  <a:schemeClr val="bg1">
+                    <a:lumMod val="75000"/>
+                  </a:schemeClr>
+                </a:solidFill>
+              </a:rPr>
               <a:t>Performance</a:t>
             </a:r>
-            <a:endParaRPr lang="zh-CN" altLang="en-US" sz="1600" dirty="0"/>
+            <a:endParaRPr lang="zh-CN" altLang="en-US" sz="1600" dirty="0">
+              <a:solidFill>
+                <a:schemeClr val="bg1">
+                  <a:lumMod val="75000"/>
+                </a:schemeClr>
+              </a:solidFill>
+            </a:endParaRPr>
           </a:p>
         </p:txBody>
       </p:sp>
@@ -10780,17 +11307,35 @@
             <a:p>
               <a:pPr algn="ctr"/>
               <a:r>
-                <a:rPr lang="en-US" altLang="zh-CN" sz="1600" dirty="0"/>
+                <a:rPr lang="en-US" altLang="zh-CN" sz="1600" dirty="0">
+                  <a:solidFill>
+                    <a:schemeClr val="bg1">
+                      <a:lumMod val="75000"/>
+                    </a:schemeClr>
+                  </a:solidFill>
+                </a:rPr>
                 <a:t>Non-imaging</a:t>
               </a:r>
             </a:p>
             <a:p>
               <a:pPr algn="ctr"/>
               <a:r>
-                <a:rPr lang="en-US" altLang="zh-CN" sz="1600" dirty="0"/>
+                <a:rPr lang="en-US" altLang="zh-CN" sz="1600" dirty="0">
+                  <a:solidFill>
+                    <a:schemeClr val="bg1">
+                      <a:lumMod val="75000"/>
+                    </a:schemeClr>
+                  </a:solidFill>
+                </a:rPr>
                 <a:t>Features</a:t>
               </a:r>
-              <a:endParaRPr lang="zh-CN" altLang="en-US" sz="1600" dirty="0"/>
+              <a:endParaRPr lang="zh-CN" altLang="en-US" sz="1600" dirty="0">
+                <a:solidFill>
+                  <a:schemeClr val="bg1">
+                    <a:lumMod val="75000"/>
+                  </a:schemeClr>
+                </a:solidFill>
+              </a:endParaRPr>
             </a:p>
           </p:txBody>
         </p:sp>
@@ -10829,17 +11374,35 @@
             <a:p>
               <a:pPr algn="ctr"/>
               <a:r>
-                <a:rPr lang="en-US" altLang="zh-CN" sz="1600" dirty="0"/>
+                <a:rPr lang="en-US" altLang="zh-CN" sz="1600" dirty="0">
+                  <a:solidFill>
+                    <a:schemeClr val="bg1">
+                      <a:lumMod val="75000"/>
+                    </a:schemeClr>
+                  </a:solidFill>
+                </a:rPr>
                 <a:t>Imaging</a:t>
               </a:r>
             </a:p>
             <a:p>
               <a:pPr algn="ctr"/>
               <a:r>
-                <a:rPr lang="en-US" altLang="zh-CN" sz="1600" dirty="0"/>
+                <a:rPr lang="en-US" altLang="zh-CN" sz="1600" dirty="0">
+                  <a:solidFill>
+                    <a:schemeClr val="bg1">
+                      <a:lumMod val="75000"/>
+                    </a:schemeClr>
+                  </a:solidFill>
+                </a:rPr>
                 <a:t>Feature 1</a:t>
               </a:r>
-              <a:endParaRPr lang="zh-CN" altLang="en-US" sz="1600" dirty="0"/>
+              <a:endParaRPr lang="zh-CN" altLang="en-US" sz="1600" dirty="0">
+                <a:solidFill>
+                  <a:schemeClr val="bg1">
+                    <a:lumMod val="75000"/>
+                  </a:schemeClr>
+                </a:solidFill>
+              </a:endParaRPr>
             </a:p>
           </p:txBody>
         </p:sp>
@@ -10878,17 +11441,35 @@
             <a:p>
               <a:pPr algn="ctr"/>
               <a:r>
-                <a:rPr lang="en-US" altLang="zh-CN" sz="1600" dirty="0"/>
+                <a:rPr lang="en-US" altLang="zh-CN" sz="1600" dirty="0">
+                  <a:solidFill>
+                    <a:schemeClr val="bg1">
+                      <a:lumMod val="75000"/>
+                    </a:schemeClr>
+                  </a:solidFill>
+                </a:rPr>
                 <a:t>Imaging</a:t>
               </a:r>
             </a:p>
             <a:p>
               <a:pPr algn="ctr"/>
               <a:r>
-                <a:rPr lang="en-US" altLang="zh-CN" sz="1600" dirty="0"/>
+                <a:rPr lang="en-US" altLang="zh-CN" sz="1600" dirty="0">
+                  <a:solidFill>
+                    <a:schemeClr val="bg1">
+                      <a:lumMod val="75000"/>
+                    </a:schemeClr>
+                  </a:solidFill>
+                </a:rPr>
                 <a:t>Feature 2</a:t>
               </a:r>
-              <a:endParaRPr lang="zh-CN" altLang="en-US" sz="1600" dirty="0"/>
+              <a:endParaRPr lang="zh-CN" altLang="en-US" sz="1600" dirty="0">
+                <a:solidFill>
+                  <a:schemeClr val="bg1">
+                    <a:lumMod val="75000"/>
+                  </a:schemeClr>
+                </a:solidFill>
+              </a:endParaRPr>
             </a:p>
           </p:txBody>
         </p:sp>
@@ -10948,10 +11529,22 @@
             <a:p>
               <a:pPr algn="ctr"/>
               <a:r>
-                <a:rPr lang="en-US" altLang="zh-CN" sz="1600" dirty="0"/>
+                <a:rPr lang="en-US" altLang="zh-CN" sz="1600" dirty="0">
+                  <a:solidFill>
+                    <a:schemeClr val="bg1">
+                      <a:lumMod val="75000"/>
+                    </a:schemeClr>
+                  </a:solidFill>
+                </a:rPr>
                 <a:t>SVM</a:t>
               </a:r>
-              <a:endParaRPr lang="zh-CN" altLang="en-US" sz="1600" dirty="0"/>
+              <a:endParaRPr lang="zh-CN" altLang="en-US" sz="1600" dirty="0">
+                <a:solidFill>
+                  <a:schemeClr val="bg1">
+                    <a:lumMod val="75000"/>
+                  </a:schemeClr>
+                </a:solidFill>
+              </a:endParaRPr>
             </a:p>
           </p:txBody>
         </p:sp>
@@ -10990,10 +11583,22 @@
             <a:p>
               <a:pPr algn="ctr"/>
               <a:r>
-                <a:rPr lang="en-US" altLang="zh-CN" sz="1600" dirty="0"/>
+                <a:rPr lang="en-US" altLang="zh-CN" sz="1600" dirty="0">
+                  <a:solidFill>
+                    <a:schemeClr val="bg1">
+                      <a:lumMod val="75000"/>
+                    </a:schemeClr>
+                  </a:solidFill>
+                </a:rPr>
                 <a:t>RF</a:t>
               </a:r>
-              <a:endParaRPr lang="zh-CN" altLang="en-US" sz="1600" dirty="0"/>
+              <a:endParaRPr lang="zh-CN" altLang="en-US" sz="1600" dirty="0">
+                <a:solidFill>
+                  <a:schemeClr val="bg1">
+                    <a:lumMod val="75000"/>
+                  </a:schemeClr>
+                </a:solidFill>
+              </a:endParaRPr>
             </a:p>
           </p:txBody>
         </p:sp>
@@ -11032,10 +11637,22 @@
             <a:p>
               <a:pPr algn="ctr"/>
               <a:r>
-                <a:rPr lang="en-US" altLang="zh-CN" sz="1600" dirty="0"/>
+                <a:rPr lang="en-US" altLang="zh-CN" sz="1600" dirty="0">
+                  <a:solidFill>
+                    <a:schemeClr val="bg1">
+                      <a:lumMod val="75000"/>
+                    </a:schemeClr>
+                  </a:solidFill>
+                </a:rPr>
                 <a:t>…</a:t>
               </a:r>
-              <a:endParaRPr lang="zh-CN" altLang="en-US" sz="1600" dirty="0"/>
+              <a:endParaRPr lang="zh-CN" altLang="en-US" sz="1600" dirty="0">
+                <a:solidFill>
+                  <a:schemeClr val="bg1">
+                    <a:lumMod val="75000"/>
+                  </a:schemeClr>
+                </a:solidFill>
+              </a:endParaRPr>
             </a:p>
           </p:txBody>
         </p:sp>
@@ -11118,10 +11735,22 @@
           <a:p>
             <a:pPr algn="ctr"/>
             <a:r>
-              <a:rPr lang="en-US" altLang="zh-CN" sz="1600" dirty="0"/>
+              <a:rPr lang="en-US" altLang="zh-CN" sz="1600" dirty="0">
+                <a:solidFill>
+                  <a:schemeClr val="bg1">
+                    <a:lumMod val="75000"/>
+                  </a:schemeClr>
+                </a:solidFill>
+              </a:rPr>
               <a:t>Performance</a:t>
             </a:r>
-            <a:endParaRPr lang="zh-CN" altLang="en-US" sz="1600" dirty="0"/>
+            <a:endParaRPr lang="zh-CN" altLang="en-US" sz="1600" dirty="0">
+              <a:solidFill>
+                <a:schemeClr val="bg1">
+                  <a:lumMod val="75000"/>
+                </a:schemeClr>
+              </a:solidFill>
+            </a:endParaRPr>
           </a:p>
         </p:txBody>
       </p:sp>
@@ -11243,10 +11872,22 @@
           <a:p>
             <a:pPr algn="ctr"/>
             <a:r>
-              <a:rPr lang="en-US" altLang="zh-CN" sz="1600" dirty="0"/>
+              <a:rPr lang="en-US" altLang="zh-CN" sz="1600" dirty="0">
+                <a:solidFill>
+                  <a:schemeClr val="bg1">
+                    <a:lumMod val="75000"/>
+                  </a:schemeClr>
+                </a:solidFill>
+              </a:rPr>
               <a:t>Compare</a:t>
             </a:r>
-            <a:endParaRPr lang="zh-CN" altLang="en-US" sz="1600" dirty="0"/>
+            <a:endParaRPr lang="zh-CN" altLang="en-US" sz="1600" dirty="0">
+              <a:solidFill>
+                <a:schemeClr val="bg1">
+                  <a:lumMod val="75000"/>
+                </a:schemeClr>
+              </a:solidFill>
+            </a:endParaRPr>
           </a:p>
         </p:txBody>
       </p:sp>
@@ -11322,14 +11963,32 @@
           <a:lstStyle/>
           <a:p>
             <a:r>
-              <a:rPr lang="en-US" altLang="zh-CN" sz="1600" dirty="0"/>
+              <a:rPr lang="en-US" altLang="zh-CN" sz="1600" dirty="0">
+                <a:solidFill>
+                  <a:schemeClr val="bg1">
+                    <a:lumMod val="75000"/>
+                  </a:schemeClr>
+                </a:solidFill>
+              </a:rPr>
               <a:t>1. </a:t>
             </a:r>
             <a:r>
-              <a:rPr lang="zh-CN" altLang="en-US" sz="1600" dirty="0"/>
+              <a:rPr lang="zh-CN" altLang="en-US" sz="1600" dirty="0">
+                <a:solidFill>
+                  <a:schemeClr val="bg1">
+                    <a:lumMod val="75000"/>
+                  </a:schemeClr>
+                </a:solidFill>
+              </a:rPr>
               <a:t>保证数据预处理流程正确，包括临床和影像数据</a:t>
             </a:r>
-            <a:endParaRPr lang="en-US" altLang="zh-CN" sz="1600" dirty="0"/>
+            <a:endParaRPr lang="en-US" altLang="zh-CN" sz="1600" dirty="0">
+              <a:solidFill>
+                <a:schemeClr val="bg1">
+                  <a:lumMod val="75000"/>
+                </a:schemeClr>
+              </a:solidFill>
+            </a:endParaRPr>
           </a:p>
         </p:txBody>
       </p:sp>
@@ -11404,15 +12063,33 @@
           <a:lstStyle/>
           <a:p>
             <a:r>
-              <a:rPr lang="en-US" altLang="zh-CN" sz="1600" dirty="0"/>
+              <a:rPr lang="en-US" altLang="zh-CN" sz="1600" dirty="0">
+                <a:solidFill>
+                  <a:schemeClr val="bg1">
+                    <a:lumMod val="75000"/>
+                  </a:schemeClr>
+                </a:solidFill>
+              </a:rPr>
               <a:t>2. </a:t>
             </a:r>
             <a:r>
-              <a:rPr lang="zh-CN" altLang="en-US" sz="1600" dirty="0"/>
+              <a:rPr lang="zh-CN" altLang="en-US" sz="1600" dirty="0">
+                <a:solidFill>
+                  <a:schemeClr val="bg1">
+                    <a:lumMod val="75000"/>
+                  </a:schemeClr>
+                </a:solidFill>
+              </a:rPr>
               <a:t>基于非影像数据建立预测模型</a:t>
             </a:r>
             <a:r>
-              <a:rPr lang="en-US" altLang="zh-CN" sz="1600" dirty="0"/>
+              <a:rPr lang="en-US" altLang="zh-CN" sz="1600" dirty="0">
+                <a:solidFill>
+                  <a:schemeClr val="bg1">
+                    <a:lumMod val="75000"/>
+                  </a:schemeClr>
+                </a:solidFill>
+              </a:rPr>
               <a:t>pipeline</a:t>
             </a:r>
           </a:p>
@@ -11491,14 +12168,32 @@
           <a:lstStyle/>
           <a:p>
             <a:r>
-              <a:rPr lang="en-US" altLang="zh-CN" sz="1600" dirty="0"/>
+              <a:rPr lang="en-US" altLang="zh-CN" sz="1600" dirty="0">
+                <a:solidFill>
+                  <a:schemeClr val="bg1">
+                    <a:lumMod val="75000"/>
+                  </a:schemeClr>
+                </a:solidFill>
+              </a:rPr>
               <a:t>3. </a:t>
             </a:r>
             <a:r>
-              <a:rPr lang="zh-CN" altLang="en-US" sz="1600" dirty="0"/>
+              <a:rPr lang="zh-CN" altLang="en-US" sz="1600" dirty="0">
+                <a:solidFill>
+                  <a:schemeClr val="bg1">
+                    <a:lumMod val="75000"/>
+                  </a:schemeClr>
+                </a:solidFill>
+              </a:rPr>
               <a:t>调研相关研究，提取不同的影像特征进行测试</a:t>
             </a:r>
-            <a:endParaRPr lang="en-US" altLang="zh-CN" sz="1600" dirty="0"/>
+            <a:endParaRPr lang="en-US" altLang="zh-CN" sz="1600" dirty="0">
+              <a:solidFill>
+                <a:schemeClr val="bg1">
+                  <a:lumMod val="75000"/>
+                </a:schemeClr>
+              </a:solidFill>
+            </a:endParaRPr>
           </a:p>
         </p:txBody>
       </p:sp>
@@ -11574,14 +12269,32 @@
           <a:lstStyle/>
           <a:p>
             <a:r>
-              <a:rPr lang="en-US" altLang="zh-CN" sz="1600" dirty="0"/>
+              <a:rPr lang="en-US" altLang="zh-CN" sz="1600" dirty="0">
+                <a:solidFill>
+                  <a:schemeClr val="bg1">
+                    <a:lumMod val="75000"/>
+                  </a:schemeClr>
+                </a:solidFill>
+              </a:rPr>
               <a:t>4. </a:t>
             </a:r>
             <a:r>
-              <a:rPr lang="zh-CN" altLang="en-US" sz="1600" dirty="0"/>
+              <a:rPr lang="zh-CN" altLang="en-US" sz="1600" dirty="0">
+                <a:solidFill>
+                  <a:schemeClr val="bg1">
+                    <a:lumMod val="75000"/>
+                  </a:schemeClr>
+                </a:solidFill>
+              </a:rPr>
               <a:t>对于不同影像特征组合训练模型并测试，得到对应的模型表现</a:t>
             </a:r>
-            <a:endParaRPr lang="en-US" altLang="zh-CN" sz="1600" dirty="0"/>
+            <a:endParaRPr lang="en-US" altLang="zh-CN" sz="1600" dirty="0">
+              <a:solidFill>
+                <a:schemeClr val="bg1">
+                  <a:lumMod val="75000"/>
+                </a:schemeClr>
+              </a:solidFill>
+            </a:endParaRPr>
           </a:p>
         </p:txBody>
       </p:sp>
@@ -11657,14 +12370,32 @@
           <a:lstStyle/>
           <a:p>
             <a:r>
-              <a:rPr lang="en-US" altLang="zh-CN" sz="1600" dirty="0"/>
+              <a:rPr lang="en-US" altLang="zh-CN" sz="1600" dirty="0">
+                <a:solidFill>
+                  <a:schemeClr val="bg1">
+                    <a:lumMod val="75000"/>
+                  </a:schemeClr>
+                </a:solidFill>
+              </a:rPr>
               <a:t>5. </a:t>
             </a:r>
             <a:r>
-              <a:rPr lang="zh-CN" altLang="en-US" sz="1600" dirty="0"/>
+              <a:rPr lang="zh-CN" altLang="en-US" sz="1600" dirty="0">
+                <a:solidFill>
+                  <a:schemeClr val="bg1">
+                    <a:lumMod val="75000"/>
+                  </a:schemeClr>
+                </a:solidFill>
+              </a:rPr>
               <a:t>比较使用不同影像特征后的模型表现，从中挑选出最优特征，尝试解释其病理生理意义</a:t>
             </a:r>
-            <a:endParaRPr lang="en-US" altLang="zh-CN" sz="1600" dirty="0"/>
+            <a:endParaRPr lang="en-US" altLang="zh-CN" sz="1600" dirty="0">
+              <a:solidFill>
+                <a:schemeClr val="bg1">
+                  <a:lumMod val="75000"/>
+                </a:schemeClr>
+              </a:solidFill>
+            </a:endParaRPr>
           </a:p>
         </p:txBody>
       </p:sp>
